--- a/sctm146-proekt-unrvk-14.pptx
+++ b/sctm146-proekt-unrvk-14.pptx
@@ -7014,6 +7014,80 @@
           </p:txBody>
         </p:sp>
       </p:grpSp>
+      <p:sp>
+        <p:nvSpPr>
+          <p:cNvPr id="22" name="TextBox 21">
+            <a:extLst>
+              <a:ext uri="{FF2B5EF4-FFF2-40B4-BE49-F238E27FC236}">
+                <a16:creationId xmlns:a16="http://schemas.microsoft.com/office/drawing/2014/main" id="{B030D4A5-3972-CA42-9360-5A8C6F640947}"/>
+              </a:ext>
+            </a:extLst>
+          </p:cNvPr>
+          <p:cNvSpPr txBox="1"/>
+          <p:nvPr/>
+        </p:nvSpPr>
+        <p:spPr>
+          <a:xfrm>
+            <a:off x="430306" y="6061554"/>
+            <a:ext cx="11312865" cy="338554"/>
+          </a:xfrm>
+          <a:prstGeom prst="rect">
+            <a:avLst/>
+          </a:prstGeom>
+          <a:noFill/>
+          <a:ln>
+            <a:solidFill>
+              <a:schemeClr val="tx1"/>
+            </a:solidFill>
+          </a:ln>
+        </p:spPr>
+        <p:txBody>
+          <a:bodyPr wrap="square" rtlCol="0">
+            <a:spAutoFit/>
+          </a:bodyPr>
+          <a:lstStyle/>
+          <a:p>
+            <a:r>
+              <a:rPr lang="bg-BG" sz="800" dirty="0"/>
+              <a:t>Референции:</a:t>
+            </a:r>
+            <a:r>
+              <a:rPr lang="en-GB" sz="800" dirty="0"/>
+              <a:t> </a:t>
+            </a:r>
+            <a:endParaRPr lang="bg-BG" sz="800" dirty="0"/>
+          </a:p>
+          <a:p>
+            <a:r>
+              <a:rPr lang="bg-BG" sz="800" dirty="0"/>
+              <a:t>проф. д-р Георгиев, Венелин, Управление на риска за </a:t>
+            </a:r>
+            <a:r>
+              <a:rPr lang="bg-BG" sz="800" dirty="0" err="1"/>
+              <a:t>киберсигурността</a:t>
+            </a:r>
+            <a:r>
+              <a:rPr lang="bg-BG" sz="800" dirty="0"/>
+              <a:t>, София, </a:t>
+            </a:r>
+            <a:r>
+              <a:rPr lang="en-GB" sz="800" dirty="0">
+                <a:hlinkClick r:id="rId2"/>
+              </a:rPr>
+              <a:t>http://edubooks.bg</a:t>
+            </a:r>
+            <a:r>
+              <a:rPr lang="en-GB" sz="800" dirty="0"/>
+              <a:t> 5a103, 2022. 93 </a:t>
+            </a:r>
+            <a:r>
+              <a:rPr lang="bg-BG" sz="800" dirty="0"/>
+              <a:t>с.</a:t>
+            </a:r>
+            <a:endParaRPr lang="en-GB" sz="800" dirty="0"/>
+          </a:p>
+        </p:txBody>
+      </p:sp>
     </p:spTree>
     <p:extLst>
       <p:ext uri="{BB962C8B-B14F-4D97-AF65-F5344CB8AC3E}">
@@ -8998,6 +9072,84 @@
           </p:txBody>
         </p:sp>
       </p:grpSp>
+      <p:sp>
+        <p:nvSpPr>
+          <p:cNvPr id="24" name="TextBox 23">
+            <a:extLst>
+              <a:ext uri="{FF2B5EF4-FFF2-40B4-BE49-F238E27FC236}">
+                <a16:creationId xmlns:a16="http://schemas.microsoft.com/office/drawing/2014/main" id="{9FF09169-8E5C-204B-B05C-4F310C48367D}"/>
+              </a:ext>
+            </a:extLst>
+          </p:cNvPr>
+          <p:cNvSpPr txBox="1"/>
+          <p:nvPr/>
+        </p:nvSpPr>
+        <p:spPr>
+          <a:xfrm>
+            <a:off x="430306" y="6061554"/>
+            <a:ext cx="11312865" cy="338554"/>
+          </a:xfrm>
+          <a:prstGeom prst="rect">
+            <a:avLst/>
+          </a:prstGeom>
+          <a:noFill/>
+          <a:ln>
+            <a:solidFill>
+              <a:schemeClr val="tx1"/>
+            </a:solidFill>
+          </a:ln>
+        </p:spPr>
+        <p:txBody>
+          <a:bodyPr wrap="square" rtlCol="0">
+            <a:spAutoFit/>
+          </a:bodyPr>
+          <a:lstStyle/>
+          <a:p>
+            <a:r>
+              <a:rPr lang="bg-BG" sz="800" dirty="0"/>
+              <a:t>Референции:</a:t>
+            </a:r>
+            <a:r>
+              <a:rPr lang="en-GB" sz="800" dirty="0"/>
+              <a:t> </a:t>
+            </a:r>
+            <a:endParaRPr lang="bg-BG" sz="800" dirty="0"/>
+          </a:p>
+          <a:p>
+            <a:r>
+              <a:rPr lang="bg-BG" sz="800" dirty="0"/>
+              <a:t>проф. д-р Георгиев, Венелин, Управление на риска за </a:t>
+            </a:r>
+            <a:r>
+              <a:rPr lang="bg-BG" sz="800" dirty="0" err="1"/>
+              <a:t>киберсигурността</a:t>
+            </a:r>
+            <a:r>
+              <a:rPr lang="bg-BG" sz="800" dirty="0"/>
+              <a:t>, София, </a:t>
+            </a:r>
+            <a:r>
+              <a:rPr lang="en-GB" sz="800" dirty="0">
+                <a:hlinkClick r:id="rId2"/>
+              </a:rPr>
+              <a:t>http://edubooks.bg</a:t>
+            </a:r>
+            <a:r>
+              <a:rPr lang="en-GB" sz="800" dirty="0"/>
+              <a:t> 5a103, 2022. </a:t>
+            </a:r>
+            <a:r>
+              <a:rPr lang="en-GB" sz="800"/>
+              <a:t>94 </a:t>
+            </a:r>
+            <a:r>
+              <a:rPr lang="bg-BG" sz="800" dirty="0"/>
+              <a:t>с.</a:t>
+            </a:r>
+            <a:endParaRPr lang="en-GB" sz="800" dirty="0"/>
+          </a:p>
+        </p:txBody>
+      </p:sp>
     </p:spTree>
     <p:extLst>
       <p:ext uri="{BB962C8B-B14F-4D97-AF65-F5344CB8AC3E}">
@@ -13862,6 +14014,80 @@
           </p:txBody>
         </p:sp>
       </p:grpSp>
+      <p:sp>
+        <p:nvSpPr>
+          <p:cNvPr id="29" name="TextBox 28">
+            <a:extLst>
+              <a:ext uri="{FF2B5EF4-FFF2-40B4-BE49-F238E27FC236}">
+                <a16:creationId xmlns:a16="http://schemas.microsoft.com/office/drawing/2014/main" id="{2C5E3DF9-A197-4F40-B239-27FB5B61997C}"/>
+              </a:ext>
+            </a:extLst>
+          </p:cNvPr>
+          <p:cNvSpPr txBox="1"/>
+          <p:nvPr/>
+        </p:nvSpPr>
+        <p:spPr>
+          <a:xfrm>
+            <a:off x="430306" y="6061554"/>
+            <a:ext cx="11312865" cy="338554"/>
+          </a:xfrm>
+          <a:prstGeom prst="rect">
+            <a:avLst/>
+          </a:prstGeom>
+          <a:noFill/>
+          <a:ln>
+            <a:solidFill>
+              <a:schemeClr val="tx1"/>
+            </a:solidFill>
+          </a:ln>
+        </p:spPr>
+        <p:txBody>
+          <a:bodyPr wrap="square" rtlCol="0">
+            <a:spAutoFit/>
+          </a:bodyPr>
+          <a:lstStyle/>
+          <a:p>
+            <a:r>
+              <a:rPr lang="bg-BG" sz="800" dirty="0"/>
+              <a:t>Референции:</a:t>
+            </a:r>
+            <a:r>
+              <a:rPr lang="en-GB" sz="800" dirty="0"/>
+              <a:t> </a:t>
+            </a:r>
+            <a:endParaRPr lang="bg-BG" sz="800" dirty="0"/>
+          </a:p>
+          <a:p>
+            <a:r>
+              <a:rPr lang="bg-BG" sz="800" dirty="0"/>
+              <a:t>проф. д-р Георгиев, Венелин, Управление на риска за </a:t>
+            </a:r>
+            <a:r>
+              <a:rPr lang="bg-BG" sz="800" dirty="0" err="1"/>
+              <a:t>киберсигурността</a:t>
+            </a:r>
+            <a:r>
+              <a:rPr lang="bg-BG" sz="800" dirty="0"/>
+              <a:t>, София, </a:t>
+            </a:r>
+            <a:r>
+              <a:rPr lang="en-GB" sz="800" dirty="0">
+                <a:hlinkClick r:id="rId2"/>
+              </a:rPr>
+              <a:t>http://edubooks.bg</a:t>
+            </a:r>
+            <a:r>
+              <a:rPr lang="en-GB" sz="800" dirty="0"/>
+              <a:t> 5a103, 2022. 95 </a:t>
+            </a:r>
+            <a:r>
+              <a:rPr lang="bg-BG" sz="800" dirty="0"/>
+              <a:t>с.</a:t>
+            </a:r>
+            <a:endParaRPr lang="en-GB" sz="800" dirty="0"/>
+          </a:p>
+        </p:txBody>
+      </p:sp>
     </p:spTree>
     <p:extLst>
       <p:ext uri="{BB962C8B-B14F-4D97-AF65-F5344CB8AC3E}">
@@ -14461,7 +14687,7 @@
         <p:spPr>
           <a:xfrm>
             <a:off x="439567" y="1166842"/>
-            <a:ext cx="11312865" cy="2308324"/>
+            <a:ext cx="11312865" cy="2554545"/>
           </a:xfrm>
           <a:prstGeom prst="rect">
             <a:avLst/>
@@ -14666,6 +14892,79 @@
             <a:endParaRPr lang="bg-BG" sz="800" dirty="0"/>
           </a:p>
           <a:p>
+            <a:endParaRPr lang="en-GB" sz="800" dirty="0"/>
+          </a:p>
+          <a:p>
+            <a:r>
+              <a:rPr lang="bg" sz="800" dirty="0"/>
+              <a:t>проф. д-р Георгиев, Венелин, Управление на риска за киберсигурността, София, </a:t>
+            </a:r>
+            <a:r>
+              <a:rPr lang="en-GB" sz="800" dirty="0"/>
+              <a:t>http://</a:t>
+            </a:r>
+            <a:r>
+              <a:rPr lang="en-GB" sz="800" dirty="0" err="1"/>
+              <a:t>edubooks.bg</a:t>
+            </a:r>
+            <a:r>
+              <a:rPr lang="en-GB" sz="800" dirty="0"/>
+              <a:t> 5a103, 2022. 93 </a:t>
+            </a:r>
+            <a:r>
+              <a:rPr lang="bg" sz="800" dirty="0"/>
+              <a:t>с.</a:t>
+            </a:r>
+          </a:p>
+          <a:p>
+            <a:endParaRPr lang="bg" sz="800" dirty="0"/>
+          </a:p>
+          <a:p>
+            <a:r>
+              <a:rPr lang="bg" sz="800" dirty="0"/>
+              <a:t>проф. д-р Георгиев, Венелин, Управление на риска за киберсигурността, София, </a:t>
+            </a:r>
+            <a:r>
+              <a:rPr lang="en-GB" sz="800" dirty="0"/>
+              <a:t>http://</a:t>
+            </a:r>
+            <a:r>
+              <a:rPr lang="en-GB" sz="800" dirty="0" err="1"/>
+              <a:t>edubooks.bg</a:t>
+            </a:r>
+            <a:r>
+              <a:rPr lang="en-GB" sz="800" dirty="0"/>
+              <a:t> 5a103, 2022. 94 </a:t>
+            </a:r>
+            <a:r>
+              <a:rPr lang="bg" sz="800" dirty="0"/>
+              <a:t>с.</a:t>
+            </a:r>
+          </a:p>
+          <a:p>
+            <a:endParaRPr lang="bg" sz="800" dirty="0"/>
+          </a:p>
+          <a:p>
+            <a:r>
+              <a:rPr lang="bg" sz="800" dirty="0"/>
+              <a:t>проф. д-р Георгиев, Венелин, Управление на риска за киберсигурността, София, </a:t>
+            </a:r>
+            <a:r>
+              <a:rPr lang="en-GB" sz="800" dirty="0"/>
+              <a:t>http://</a:t>
+            </a:r>
+            <a:r>
+              <a:rPr lang="en-GB" sz="800" dirty="0" err="1"/>
+              <a:t>edubooks.bg</a:t>
+            </a:r>
+            <a:r>
+              <a:rPr lang="en-GB" sz="800" dirty="0"/>
+              <a:t> 5a103, 2022. 95 </a:t>
+            </a:r>
+            <a:r>
+              <a:rPr lang="bg" sz="800" dirty="0"/>
+              <a:t>с.</a:t>
+            </a:r>
             <a:endParaRPr lang="en-GB" sz="800" dirty="0"/>
           </a:p>
           <a:p>
